--- a/Snake.pptx
+++ b/Snake.pptx
@@ -4479,6 +4479,47 @@
                 <a:sym typeface="Arcade Gamer"/>
               </a:rPr>
               <a:t>SNAKE</a:t>
+            </a:r>
+          </a:p>
+        </p:txBody>
+      </p:sp>
+      <p:sp>
+        <p:nvSpPr>
+          <p:cNvPr name="TextBox 42" id="42"/>
+          <p:cNvSpPr txBox="true"/>
+          <p:nvPr/>
+        </p:nvSpPr>
+        <p:spPr>
+          <a:xfrm rot="0">
+            <a:off x="4586941" y="4880344"/>
+            <a:ext cx="9239754" cy="996315"/>
+          </a:xfrm>
+          <a:prstGeom prst="rect">
+            <a:avLst/>
+          </a:prstGeom>
+        </p:spPr>
+        <p:txBody>
+          <a:bodyPr anchor="t" rtlCol="false" tIns="0" lIns="0" bIns="0" rIns="0">
+            <a:spAutoFit/>
+          </a:bodyPr>
+          <a:lstStyle/>
+          <a:p>
+            <a:pPr algn="ctr">
+              <a:lnSpc>
+                <a:spcPts val="3900"/>
+              </a:lnSpc>
+            </a:pPr>
+            <a:r>
+              <a:rPr lang="en-US" sz="2600" spc="130">
+                <a:solidFill>
+                  <a:srgbClr val="FFFFFF"/>
+                </a:solidFill>
+                <a:latin typeface="Arcade Gamer"/>
+                <a:ea typeface="Arcade Gamer"/>
+                <a:cs typeface="Arcade Gamer"/>
+                <a:sym typeface="Arcade Gamer"/>
+              </a:rPr>
+              <a:t>GRUPPE 3: DARIA, BIROL, DORIAN, MARCELLO, ALEXANDER</a:t>
             </a:r>
           </a:p>
         </p:txBody>

--- a/Snake.pptx
+++ b/Snake.pptx
@@ -15,17 +15,18 @@
     <p:sldId id="263" r:id="rId13"/>
     <p:sldId id="264" r:id="rId14"/>
     <p:sldId id="265" r:id="rId15"/>
+    <p:sldId id="266" r:id="rId16"/>
   </p:sldIdLst>
   <p:sldSz cx="18288000" cy="10287000"/>
   <p:notesSz cx="6858000" cy="9144000"/>
   <p:embeddedFontLst>
     <p:embeddedFont>
       <p:font typeface="Arcade Gamer" charset="1" panose="00000000000000000000"/>
-      <p:regular r:id="rId16"/>
+      <p:regular r:id="rId17"/>
     </p:embeddedFont>
     <p:embeddedFont>
       <p:font typeface="Arimo" charset="1" panose="020B0604020202020204"/>
-      <p:regular r:id="rId17"/>
+      <p:regular r:id="rId18"/>
     </p:embeddedFont>
   </p:embeddedFontLst>
   <p:defaultTextStyle>
@@ -5726,6 +5727,1068 @@
                 <a:spcPts val="1808"/>
               </a:lnSpc>
             </a:pPr>
+          </a:p>
+        </p:txBody>
+      </p:sp>
+    </p:spTree>
+  </p:cSld>
+  <p:clrMapOvr>
+    <a:masterClrMapping/>
+  </p:clrMapOvr>
+  <p:timing>
+    <p:tnLst>
+      <p:par>
+        <p:cTn dur="indefinite" restart="never" nodeType="tmRoot">
+          <p:childTnLst>
+            <p:video>
+              <p:cMediaNode vol="100000">
+                <p:cTn fill="hold" display="false">
+                  <p:stCondLst>
+                    <p:cond delay="indefinite"/>
+                  </p:stCondLst>
+                </p:cTn>
+                <p:tgtEl>
+                  <p:spTgt spid="28"/>
+                </p:tgtEl>
+              </p:cMediaNode>
+            </p:video>
+          </p:childTnLst>
+        </p:cTn>
+      </p:par>
+    </p:tnLst>
+  </p:timing>
+</p:sld>
+</file>
+
+<file path=ppt/slides/slide11.xml><?xml version="1.0" encoding="utf-8"?>
+<p:sld xmlns:p="http://schemas.openxmlformats.org/presentationml/2006/main" xmlns:a="http://schemas.openxmlformats.org/drawingml/2006/main" xmlns:r="http://schemas.openxmlformats.org/officeDocument/2006/relationships">
+  <p:cSld>
+    <p:bg>
+      <p:bgPr>
+        <a:solidFill>
+          <a:srgbClr val="000000"/>
+        </a:solidFill>
+      </p:bgPr>
+    </p:bg>
+    <p:spTree>
+      <p:nvGrpSpPr>
+        <p:cNvPr id="1" name=""/>
+        <p:cNvGrpSpPr/>
+        <p:nvPr/>
+      </p:nvGrpSpPr>
+      <p:grpSpPr>
+        <a:xfrm>
+          <a:off x="0" y="0"/>
+          <a:ext cx="0" cy="0"/>
+          <a:chOff x="0" y="0"/>
+          <a:chExt cx="0" cy="0"/>
+        </a:xfrm>
+      </p:grpSpPr>
+      <p:grpSp>
+        <p:nvGrpSpPr>
+          <p:cNvPr name="Group 2" id="2"/>
+          <p:cNvGrpSpPr/>
+          <p:nvPr/>
+        </p:nvGrpSpPr>
+        <p:grpSpPr>
+          <a:xfrm rot="0">
+            <a:off x="2967918" y="2741683"/>
+            <a:ext cx="12352165" cy="5013881"/>
+            <a:chOff x="0" y="0"/>
+            <a:chExt cx="531807" cy="215866"/>
+          </a:xfrm>
+        </p:grpSpPr>
+        <p:sp>
+          <p:nvSpPr>
+            <p:cNvPr name="Freeform 3" id="3"/>
+            <p:cNvSpPr/>
+            <p:nvPr/>
+          </p:nvSpPr>
+          <p:spPr>
+            <a:xfrm flipH="false" flipV="false" rot="0">
+              <a:off x="0" y="0"/>
+              <a:ext cx="531807" cy="215866"/>
+            </a:xfrm>
+            <a:custGeom>
+              <a:avLst/>
+              <a:gdLst/>
+              <a:ahLst/>
+              <a:cxnLst/>
+              <a:rect r="r" b="b" t="t" l="l"/>
+              <a:pathLst>
+                <a:path h="215866" w="531807">
+                  <a:moveTo>
+                    <a:pt x="0" y="0"/>
+                  </a:moveTo>
+                  <a:lnTo>
+                    <a:pt x="531807" y="0"/>
+                  </a:lnTo>
+                  <a:lnTo>
+                    <a:pt x="531807" y="215866"/>
+                  </a:lnTo>
+                  <a:lnTo>
+                    <a:pt x="0" y="215866"/>
+                  </a:lnTo>
+                  <a:close/>
+                </a:path>
+              </a:pathLst>
+            </a:custGeom>
+            <a:solidFill>
+              <a:srgbClr val="000000">
+                <a:alpha val="0"/>
+              </a:srgbClr>
+            </a:solidFill>
+            <a:ln w="66675" cap="sq">
+              <a:solidFill>
+                <a:srgbClr val="0A24FE"/>
+              </a:solidFill>
+              <a:prstDash val="solid"/>
+              <a:miter/>
+            </a:ln>
+          </p:spPr>
+        </p:sp>
+        <p:sp>
+          <p:nvSpPr>
+            <p:cNvPr name="TextBox 4" id="4"/>
+            <p:cNvSpPr txBox="true"/>
+            <p:nvPr/>
+          </p:nvSpPr>
+          <p:spPr>
+            <a:xfrm>
+              <a:off x="0" y="-38100"/>
+              <a:ext cx="531807" cy="253966"/>
+            </a:xfrm>
+            <a:prstGeom prst="rect">
+              <a:avLst/>
+            </a:prstGeom>
+          </p:spPr>
+          <p:txBody>
+            <a:bodyPr anchor="ctr" rtlCol="false" tIns="50800" lIns="50800" bIns="50800" rIns="50800"/>
+            <a:lstStyle/>
+            <a:p>
+              <a:pPr algn="ctr">
+                <a:lnSpc>
+                  <a:spcPts val="2659"/>
+                </a:lnSpc>
+              </a:pPr>
+            </a:p>
+          </p:txBody>
+        </p:sp>
+      </p:grpSp>
+      <p:grpSp>
+        <p:nvGrpSpPr>
+          <p:cNvPr name="Group 5" id="5"/>
+          <p:cNvGrpSpPr/>
+          <p:nvPr/>
+        </p:nvGrpSpPr>
+        <p:grpSpPr>
+          <a:xfrm rot="0">
+            <a:off x="2967918" y="8659085"/>
+            <a:ext cx="5401791" cy="844071"/>
+            <a:chOff x="0" y="0"/>
+            <a:chExt cx="129585" cy="20249"/>
+          </a:xfrm>
+        </p:grpSpPr>
+        <p:sp>
+          <p:nvSpPr>
+            <p:cNvPr name="Freeform 6" id="6"/>
+            <p:cNvSpPr/>
+            <p:nvPr/>
+          </p:nvSpPr>
+          <p:spPr>
+            <a:xfrm flipH="false" flipV="false" rot="0">
+              <a:off x="0" y="0"/>
+              <a:ext cx="129585" cy="20249"/>
+            </a:xfrm>
+            <a:custGeom>
+              <a:avLst/>
+              <a:gdLst/>
+              <a:ahLst/>
+              <a:cxnLst/>
+              <a:rect r="r" b="b" t="t" l="l"/>
+              <a:pathLst>
+                <a:path h="20249" w="129585">
+                  <a:moveTo>
+                    <a:pt x="0" y="0"/>
+                  </a:moveTo>
+                  <a:lnTo>
+                    <a:pt x="129585" y="0"/>
+                  </a:lnTo>
+                  <a:lnTo>
+                    <a:pt x="129585" y="20249"/>
+                  </a:lnTo>
+                  <a:lnTo>
+                    <a:pt x="0" y="20249"/>
+                  </a:lnTo>
+                  <a:close/>
+                </a:path>
+              </a:pathLst>
+            </a:custGeom>
+            <a:solidFill>
+              <a:srgbClr val="000000">
+                <a:alpha val="0"/>
+              </a:srgbClr>
+            </a:solidFill>
+            <a:ln w="66675" cap="sq">
+              <a:solidFill>
+                <a:srgbClr val="0A24FE"/>
+              </a:solidFill>
+              <a:prstDash val="solid"/>
+              <a:miter/>
+            </a:ln>
+          </p:spPr>
+        </p:sp>
+        <p:sp>
+          <p:nvSpPr>
+            <p:cNvPr name="TextBox 7" id="7"/>
+            <p:cNvSpPr txBox="true"/>
+            <p:nvPr/>
+          </p:nvSpPr>
+          <p:spPr>
+            <a:xfrm>
+              <a:off x="0" y="-38100"/>
+              <a:ext cx="129585" cy="58349"/>
+            </a:xfrm>
+            <a:prstGeom prst="rect">
+              <a:avLst/>
+            </a:prstGeom>
+          </p:spPr>
+          <p:txBody>
+            <a:bodyPr anchor="ctr" rtlCol="false" tIns="50800" lIns="50800" bIns="50800" rIns="50800"/>
+            <a:lstStyle/>
+            <a:p>
+              <a:pPr algn="ctr">
+                <a:lnSpc>
+                  <a:spcPts val="2659"/>
+                </a:lnSpc>
+              </a:pPr>
+            </a:p>
+          </p:txBody>
+        </p:sp>
+      </p:grpSp>
+      <p:grpSp>
+        <p:nvGrpSpPr>
+          <p:cNvPr name="Group 8" id="8"/>
+          <p:cNvGrpSpPr/>
+          <p:nvPr/>
+        </p:nvGrpSpPr>
+        <p:grpSpPr>
+          <a:xfrm rot="0">
+            <a:off x="9918291" y="8659085"/>
+            <a:ext cx="5401791" cy="844071"/>
+            <a:chOff x="0" y="0"/>
+            <a:chExt cx="129585" cy="20249"/>
+          </a:xfrm>
+        </p:grpSpPr>
+        <p:sp>
+          <p:nvSpPr>
+            <p:cNvPr name="Freeform 9" id="9"/>
+            <p:cNvSpPr/>
+            <p:nvPr/>
+          </p:nvSpPr>
+          <p:spPr>
+            <a:xfrm flipH="false" flipV="false" rot="0">
+              <a:off x="0" y="0"/>
+              <a:ext cx="129585" cy="20249"/>
+            </a:xfrm>
+            <a:custGeom>
+              <a:avLst/>
+              <a:gdLst/>
+              <a:ahLst/>
+              <a:cxnLst/>
+              <a:rect r="r" b="b" t="t" l="l"/>
+              <a:pathLst>
+                <a:path h="20249" w="129585">
+                  <a:moveTo>
+                    <a:pt x="0" y="0"/>
+                  </a:moveTo>
+                  <a:lnTo>
+                    <a:pt x="129585" y="0"/>
+                  </a:lnTo>
+                  <a:lnTo>
+                    <a:pt x="129585" y="20249"/>
+                  </a:lnTo>
+                  <a:lnTo>
+                    <a:pt x="0" y="20249"/>
+                  </a:lnTo>
+                  <a:close/>
+                </a:path>
+              </a:pathLst>
+            </a:custGeom>
+            <a:solidFill>
+              <a:srgbClr val="000000">
+                <a:alpha val="0"/>
+              </a:srgbClr>
+            </a:solidFill>
+            <a:ln w="66675" cap="sq">
+              <a:solidFill>
+                <a:srgbClr val="0A24FE"/>
+              </a:solidFill>
+              <a:prstDash val="solid"/>
+              <a:miter/>
+            </a:ln>
+          </p:spPr>
+        </p:sp>
+        <p:sp>
+          <p:nvSpPr>
+            <p:cNvPr name="TextBox 10" id="10"/>
+            <p:cNvSpPr txBox="true"/>
+            <p:nvPr/>
+          </p:nvSpPr>
+          <p:spPr>
+            <a:xfrm>
+              <a:off x="0" y="-38100"/>
+              <a:ext cx="129585" cy="58349"/>
+            </a:xfrm>
+            <a:prstGeom prst="rect">
+              <a:avLst/>
+            </a:prstGeom>
+          </p:spPr>
+          <p:txBody>
+            <a:bodyPr anchor="ctr" rtlCol="false" tIns="50800" lIns="50800" bIns="50800" rIns="50800"/>
+            <a:lstStyle/>
+            <a:p>
+              <a:pPr algn="ctr">
+                <a:lnSpc>
+                  <a:spcPts val="2659"/>
+                </a:lnSpc>
+              </a:pPr>
+            </a:p>
+          </p:txBody>
+        </p:sp>
+      </p:grpSp>
+      <p:grpSp>
+        <p:nvGrpSpPr>
+          <p:cNvPr name="Group 11" id="11"/>
+          <p:cNvGrpSpPr/>
+          <p:nvPr/>
+        </p:nvGrpSpPr>
+        <p:grpSpPr>
+          <a:xfrm rot="0">
+            <a:off x="12991230" y="783844"/>
+            <a:ext cx="2328852" cy="1418849"/>
+            <a:chOff x="0" y="0"/>
+            <a:chExt cx="55867" cy="34037"/>
+          </a:xfrm>
+        </p:grpSpPr>
+        <p:sp>
+          <p:nvSpPr>
+            <p:cNvPr name="Freeform 12" id="12"/>
+            <p:cNvSpPr/>
+            <p:nvPr/>
+          </p:nvSpPr>
+          <p:spPr>
+            <a:xfrm flipH="false" flipV="false" rot="0">
+              <a:off x="0" y="0"/>
+              <a:ext cx="55867" cy="34037"/>
+            </a:xfrm>
+            <a:custGeom>
+              <a:avLst/>
+              <a:gdLst/>
+              <a:ahLst/>
+              <a:cxnLst/>
+              <a:rect r="r" b="b" t="t" l="l"/>
+              <a:pathLst>
+                <a:path h="34037" w="55867">
+                  <a:moveTo>
+                    <a:pt x="0" y="0"/>
+                  </a:moveTo>
+                  <a:lnTo>
+                    <a:pt x="55867" y="0"/>
+                  </a:lnTo>
+                  <a:lnTo>
+                    <a:pt x="55867" y="34037"/>
+                  </a:lnTo>
+                  <a:lnTo>
+                    <a:pt x="0" y="34037"/>
+                  </a:lnTo>
+                  <a:close/>
+                </a:path>
+              </a:pathLst>
+            </a:custGeom>
+            <a:solidFill>
+              <a:srgbClr val="000000">
+                <a:alpha val="0"/>
+              </a:srgbClr>
+            </a:solidFill>
+            <a:ln w="66675" cap="sq">
+              <a:solidFill>
+                <a:srgbClr val="0A24FE"/>
+              </a:solidFill>
+              <a:prstDash val="solid"/>
+              <a:miter/>
+            </a:ln>
+          </p:spPr>
+        </p:sp>
+        <p:sp>
+          <p:nvSpPr>
+            <p:cNvPr name="TextBox 13" id="13"/>
+            <p:cNvSpPr txBox="true"/>
+            <p:nvPr/>
+          </p:nvSpPr>
+          <p:spPr>
+            <a:xfrm>
+              <a:off x="0" y="-38100"/>
+              <a:ext cx="55867" cy="72137"/>
+            </a:xfrm>
+            <a:prstGeom prst="rect">
+              <a:avLst/>
+            </a:prstGeom>
+          </p:spPr>
+          <p:txBody>
+            <a:bodyPr anchor="ctr" rtlCol="false" tIns="50800" lIns="50800" bIns="50800" rIns="50800"/>
+            <a:lstStyle/>
+            <a:p>
+              <a:pPr algn="ctr">
+                <a:lnSpc>
+                  <a:spcPts val="2659"/>
+                </a:lnSpc>
+              </a:pPr>
+            </a:p>
+          </p:txBody>
+        </p:sp>
+      </p:grpSp>
+      <p:grpSp>
+        <p:nvGrpSpPr>
+          <p:cNvPr name="Group 14" id="14"/>
+          <p:cNvGrpSpPr/>
+          <p:nvPr/>
+        </p:nvGrpSpPr>
+        <p:grpSpPr>
+          <a:xfrm rot="0">
+            <a:off x="2983062" y="783844"/>
+            <a:ext cx="2328852" cy="1418849"/>
+            <a:chOff x="0" y="0"/>
+            <a:chExt cx="55867" cy="34037"/>
+          </a:xfrm>
+        </p:grpSpPr>
+        <p:sp>
+          <p:nvSpPr>
+            <p:cNvPr name="Freeform 15" id="15"/>
+            <p:cNvSpPr/>
+            <p:nvPr/>
+          </p:nvSpPr>
+          <p:spPr>
+            <a:xfrm flipH="false" flipV="false" rot="0">
+              <a:off x="0" y="0"/>
+              <a:ext cx="55867" cy="34037"/>
+            </a:xfrm>
+            <a:custGeom>
+              <a:avLst/>
+              <a:gdLst/>
+              <a:ahLst/>
+              <a:cxnLst/>
+              <a:rect r="r" b="b" t="t" l="l"/>
+              <a:pathLst>
+                <a:path h="34037" w="55867">
+                  <a:moveTo>
+                    <a:pt x="0" y="0"/>
+                  </a:moveTo>
+                  <a:lnTo>
+                    <a:pt x="55867" y="0"/>
+                  </a:lnTo>
+                  <a:lnTo>
+                    <a:pt x="55867" y="34037"/>
+                  </a:lnTo>
+                  <a:lnTo>
+                    <a:pt x="0" y="34037"/>
+                  </a:lnTo>
+                  <a:close/>
+                </a:path>
+              </a:pathLst>
+            </a:custGeom>
+            <a:solidFill>
+              <a:srgbClr val="000000">
+                <a:alpha val="0"/>
+              </a:srgbClr>
+            </a:solidFill>
+            <a:ln w="66675" cap="sq">
+              <a:solidFill>
+                <a:srgbClr val="0A24FE"/>
+              </a:solidFill>
+              <a:prstDash val="solid"/>
+              <a:miter/>
+            </a:ln>
+          </p:spPr>
+        </p:sp>
+        <p:sp>
+          <p:nvSpPr>
+            <p:cNvPr name="TextBox 16" id="16"/>
+            <p:cNvSpPr txBox="true"/>
+            <p:nvPr/>
+          </p:nvSpPr>
+          <p:spPr>
+            <a:xfrm>
+              <a:off x="0" y="-38100"/>
+              <a:ext cx="55867" cy="72137"/>
+            </a:xfrm>
+            <a:prstGeom prst="rect">
+              <a:avLst/>
+            </a:prstGeom>
+          </p:spPr>
+          <p:txBody>
+            <a:bodyPr anchor="ctr" rtlCol="false" tIns="50800" lIns="50800" bIns="50800" rIns="50800"/>
+            <a:lstStyle/>
+            <a:p>
+              <a:pPr algn="ctr">
+                <a:lnSpc>
+                  <a:spcPts val="2659"/>
+                </a:lnSpc>
+              </a:pPr>
+            </a:p>
+          </p:txBody>
+        </p:sp>
+      </p:grpSp>
+      <p:sp>
+        <p:nvSpPr>
+          <p:cNvPr name="Freeform 17" id="17"/>
+          <p:cNvSpPr/>
+          <p:nvPr/>
+        </p:nvSpPr>
+        <p:spPr>
+          <a:xfrm flipH="false" flipV="false" rot="0">
+            <a:off x="3768855" y="1028700"/>
+            <a:ext cx="742017" cy="915997"/>
+          </a:xfrm>
+          <a:custGeom>
+            <a:avLst/>
+            <a:gdLst/>
+            <a:ahLst/>
+            <a:cxnLst/>
+            <a:rect r="r" b="b" t="t" l="l"/>
+            <a:pathLst>
+              <a:path h="915997" w="742017">
+                <a:moveTo>
+                  <a:pt x="0" y="0"/>
+                </a:moveTo>
+                <a:lnTo>
+                  <a:pt x="742017" y="0"/>
+                </a:lnTo>
+                <a:lnTo>
+                  <a:pt x="742017" y="915997"/>
+                </a:lnTo>
+                <a:lnTo>
+                  <a:pt x="0" y="915997"/>
+                </a:lnTo>
+                <a:lnTo>
+                  <a:pt x="0" y="0"/>
+                </a:lnTo>
+                <a:close/>
+              </a:path>
+            </a:pathLst>
+          </a:custGeom>
+          <a:blipFill>
+            <a:blip r:embed="rId2"/>
+            <a:stretch>
+              <a:fillRect l="0" t="0" r="0" b="0"/>
+            </a:stretch>
+          </a:blipFill>
+        </p:spPr>
+      </p:sp>
+      <p:sp>
+        <p:nvSpPr>
+          <p:cNvPr name="Freeform 18" id="18"/>
+          <p:cNvSpPr/>
+          <p:nvPr/>
+        </p:nvSpPr>
+        <p:spPr>
+          <a:xfrm flipH="false" flipV="false" rot="0">
+            <a:off x="13777023" y="1035269"/>
+            <a:ext cx="742017" cy="915997"/>
+          </a:xfrm>
+          <a:custGeom>
+            <a:avLst/>
+            <a:gdLst/>
+            <a:ahLst/>
+            <a:cxnLst/>
+            <a:rect r="r" b="b" t="t" l="l"/>
+            <a:pathLst>
+              <a:path h="915997" w="742017">
+                <a:moveTo>
+                  <a:pt x="0" y="0"/>
+                </a:moveTo>
+                <a:lnTo>
+                  <a:pt x="742017" y="0"/>
+                </a:lnTo>
+                <a:lnTo>
+                  <a:pt x="742017" y="915998"/>
+                </a:lnTo>
+                <a:lnTo>
+                  <a:pt x="0" y="915998"/>
+                </a:lnTo>
+                <a:lnTo>
+                  <a:pt x="0" y="0"/>
+                </a:lnTo>
+                <a:close/>
+              </a:path>
+            </a:pathLst>
+          </a:custGeom>
+          <a:blipFill>
+            <a:blip r:embed="rId2"/>
+            <a:stretch>
+              <a:fillRect l="0" t="0" r="0" b="0"/>
+            </a:stretch>
+          </a:blipFill>
+        </p:spPr>
+      </p:sp>
+      <p:sp>
+        <p:nvSpPr>
+          <p:cNvPr name="Freeform 19" id="19"/>
+          <p:cNvSpPr/>
+          <p:nvPr/>
+        </p:nvSpPr>
+        <p:spPr>
+          <a:xfrm flipH="false" flipV="false" rot="0">
+            <a:off x="3397846" y="7743088"/>
+            <a:ext cx="719866" cy="888653"/>
+          </a:xfrm>
+          <a:custGeom>
+            <a:avLst/>
+            <a:gdLst/>
+            <a:ahLst/>
+            <a:cxnLst/>
+            <a:rect r="r" b="b" t="t" l="l"/>
+            <a:pathLst>
+              <a:path h="888653" w="719866">
+                <a:moveTo>
+                  <a:pt x="0" y="0"/>
+                </a:moveTo>
+                <a:lnTo>
+                  <a:pt x="719867" y="0"/>
+                </a:lnTo>
+                <a:lnTo>
+                  <a:pt x="719867" y="888652"/>
+                </a:lnTo>
+                <a:lnTo>
+                  <a:pt x="0" y="888652"/>
+                </a:lnTo>
+                <a:lnTo>
+                  <a:pt x="0" y="0"/>
+                </a:lnTo>
+                <a:close/>
+              </a:path>
+            </a:pathLst>
+          </a:custGeom>
+          <a:blipFill>
+            <a:blip r:embed="rId2"/>
+            <a:stretch>
+              <a:fillRect l="0" t="0" r="0" b="0"/>
+            </a:stretch>
+          </a:blipFill>
+        </p:spPr>
+      </p:sp>
+      <p:sp>
+        <p:nvSpPr>
+          <p:cNvPr name="Freeform 20" id="20"/>
+          <p:cNvSpPr/>
+          <p:nvPr/>
+        </p:nvSpPr>
+        <p:spPr>
+          <a:xfrm flipH="false" flipV="false" rot="0">
+            <a:off x="4132405" y="7743088"/>
+            <a:ext cx="719866" cy="888653"/>
+          </a:xfrm>
+          <a:custGeom>
+            <a:avLst/>
+            <a:gdLst/>
+            <a:ahLst/>
+            <a:cxnLst/>
+            <a:rect r="r" b="b" t="t" l="l"/>
+            <a:pathLst>
+              <a:path h="888653" w="719866">
+                <a:moveTo>
+                  <a:pt x="0" y="0"/>
+                </a:moveTo>
+                <a:lnTo>
+                  <a:pt x="719866" y="0"/>
+                </a:lnTo>
+                <a:lnTo>
+                  <a:pt x="719866" y="888652"/>
+                </a:lnTo>
+                <a:lnTo>
+                  <a:pt x="0" y="888652"/>
+                </a:lnTo>
+                <a:lnTo>
+                  <a:pt x="0" y="0"/>
+                </a:lnTo>
+                <a:close/>
+              </a:path>
+            </a:pathLst>
+          </a:custGeom>
+          <a:blipFill>
+            <a:blip r:embed="rId2"/>
+            <a:stretch>
+              <a:fillRect l="0" t="0" r="0" b="0"/>
+            </a:stretch>
+          </a:blipFill>
+        </p:spPr>
+      </p:sp>
+      <p:sp>
+        <p:nvSpPr>
+          <p:cNvPr name="Freeform 21" id="21"/>
+          <p:cNvSpPr/>
+          <p:nvPr/>
+        </p:nvSpPr>
+        <p:spPr>
+          <a:xfrm flipH="false" flipV="false" rot="0">
+            <a:off x="4866964" y="7743088"/>
+            <a:ext cx="719866" cy="888653"/>
+          </a:xfrm>
+          <a:custGeom>
+            <a:avLst/>
+            <a:gdLst/>
+            <a:ahLst/>
+            <a:cxnLst/>
+            <a:rect r="r" b="b" t="t" l="l"/>
+            <a:pathLst>
+              <a:path h="888653" w="719866">
+                <a:moveTo>
+                  <a:pt x="0" y="0"/>
+                </a:moveTo>
+                <a:lnTo>
+                  <a:pt x="719866" y="0"/>
+                </a:lnTo>
+                <a:lnTo>
+                  <a:pt x="719866" y="888652"/>
+                </a:lnTo>
+                <a:lnTo>
+                  <a:pt x="0" y="888652"/>
+                </a:lnTo>
+                <a:lnTo>
+                  <a:pt x="0" y="0"/>
+                </a:lnTo>
+                <a:close/>
+              </a:path>
+            </a:pathLst>
+          </a:custGeom>
+          <a:blipFill>
+            <a:blip r:embed="rId2"/>
+            <a:stretch>
+              <a:fillRect l="0" t="0" r="0" b="0"/>
+            </a:stretch>
+          </a:blipFill>
+        </p:spPr>
+      </p:sp>
+      <p:sp>
+        <p:nvSpPr>
+          <p:cNvPr name="Freeform 22" id="22"/>
+          <p:cNvSpPr/>
+          <p:nvPr/>
+        </p:nvSpPr>
+        <p:spPr>
+          <a:xfrm flipH="false" flipV="false" rot="0">
+            <a:off x="12698525" y="7755564"/>
+            <a:ext cx="709760" cy="876176"/>
+          </a:xfrm>
+          <a:custGeom>
+            <a:avLst/>
+            <a:gdLst/>
+            <a:ahLst/>
+            <a:cxnLst/>
+            <a:rect r="r" b="b" t="t" l="l"/>
+            <a:pathLst>
+              <a:path h="876176" w="709760">
+                <a:moveTo>
+                  <a:pt x="0" y="0"/>
+                </a:moveTo>
+                <a:lnTo>
+                  <a:pt x="709760" y="0"/>
+                </a:lnTo>
+                <a:lnTo>
+                  <a:pt x="709760" y="876176"/>
+                </a:lnTo>
+                <a:lnTo>
+                  <a:pt x="0" y="876176"/>
+                </a:lnTo>
+                <a:lnTo>
+                  <a:pt x="0" y="0"/>
+                </a:lnTo>
+                <a:close/>
+              </a:path>
+            </a:pathLst>
+          </a:custGeom>
+          <a:blipFill>
+            <a:blip r:embed="rId2"/>
+            <a:stretch>
+              <a:fillRect l="0" t="0" r="0" b="0"/>
+            </a:stretch>
+          </a:blipFill>
+        </p:spPr>
+      </p:sp>
+      <p:sp>
+        <p:nvSpPr>
+          <p:cNvPr name="Freeform 23" id="23"/>
+          <p:cNvSpPr/>
+          <p:nvPr/>
+        </p:nvSpPr>
+        <p:spPr>
+          <a:xfrm flipH="false" flipV="false" rot="0">
+            <a:off x="13422771" y="7755564"/>
+            <a:ext cx="709760" cy="876176"/>
+          </a:xfrm>
+          <a:custGeom>
+            <a:avLst/>
+            <a:gdLst/>
+            <a:ahLst/>
+            <a:cxnLst/>
+            <a:rect r="r" b="b" t="t" l="l"/>
+            <a:pathLst>
+              <a:path h="876176" w="709760">
+                <a:moveTo>
+                  <a:pt x="0" y="0"/>
+                </a:moveTo>
+                <a:lnTo>
+                  <a:pt x="709759" y="0"/>
+                </a:lnTo>
+                <a:lnTo>
+                  <a:pt x="709759" y="876176"/>
+                </a:lnTo>
+                <a:lnTo>
+                  <a:pt x="0" y="876176"/>
+                </a:lnTo>
+                <a:lnTo>
+                  <a:pt x="0" y="0"/>
+                </a:lnTo>
+                <a:close/>
+              </a:path>
+            </a:pathLst>
+          </a:custGeom>
+          <a:blipFill>
+            <a:blip r:embed="rId2"/>
+            <a:stretch>
+              <a:fillRect l="0" t="0" r="0" b="0"/>
+            </a:stretch>
+          </a:blipFill>
+        </p:spPr>
+      </p:sp>
+      <p:sp>
+        <p:nvSpPr>
+          <p:cNvPr name="Freeform 24" id="24"/>
+          <p:cNvSpPr/>
+          <p:nvPr/>
+        </p:nvSpPr>
+        <p:spPr>
+          <a:xfrm flipH="false" flipV="false" rot="0">
+            <a:off x="14147016" y="7755564"/>
+            <a:ext cx="709760" cy="876176"/>
+          </a:xfrm>
+          <a:custGeom>
+            <a:avLst/>
+            <a:gdLst/>
+            <a:ahLst/>
+            <a:cxnLst/>
+            <a:rect r="r" b="b" t="t" l="l"/>
+            <a:pathLst>
+              <a:path h="876176" w="709760">
+                <a:moveTo>
+                  <a:pt x="0" y="0"/>
+                </a:moveTo>
+                <a:lnTo>
+                  <a:pt x="709760" y="0"/>
+                </a:lnTo>
+                <a:lnTo>
+                  <a:pt x="709760" y="876176"/>
+                </a:lnTo>
+                <a:lnTo>
+                  <a:pt x="0" y="876176"/>
+                </a:lnTo>
+                <a:lnTo>
+                  <a:pt x="0" y="0"/>
+                </a:lnTo>
+                <a:close/>
+              </a:path>
+            </a:pathLst>
+          </a:custGeom>
+          <a:blipFill>
+            <a:blip r:embed="rId2"/>
+            <a:stretch>
+              <a:fillRect l="0" t="0" r="0" b="0"/>
+            </a:stretch>
+          </a:blipFill>
+        </p:spPr>
+      </p:sp>
+      <p:grpSp>
+        <p:nvGrpSpPr>
+          <p:cNvPr name="Group 25" id="25"/>
+          <p:cNvGrpSpPr/>
+          <p:nvPr/>
+        </p:nvGrpSpPr>
+        <p:grpSpPr>
+          <a:xfrm rot="0">
+            <a:off x="5983379" y="783844"/>
+            <a:ext cx="6305993" cy="1418849"/>
+            <a:chOff x="0" y="0"/>
+            <a:chExt cx="151276" cy="34037"/>
+          </a:xfrm>
+        </p:grpSpPr>
+        <p:sp>
+          <p:nvSpPr>
+            <p:cNvPr name="Freeform 26" id="26"/>
+            <p:cNvSpPr/>
+            <p:nvPr/>
+          </p:nvSpPr>
+          <p:spPr>
+            <a:xfrm flipH="false" flipV="false" rot="0">
+              <a:off x="0" y="0"/>
+              <a:ext cx="151276" cy="34037"/>
+            </a:xfrm>
+            <a:custGeom>
+              <a:avLst/>
+              <a:gdLst/>
+              <a:ahLst/>
+              <a:cxnLst/>
+              <a:rect r="r" b="b" t="t" l="l"/>
+              <a:pathLst>
+                <a:path h="34037" w="151276">
+                  <a:moveTo>
+                    <a:pt x="0" y="0"/>
+                  </a:moveTo>
+                  <a:lnTo>
+                    <a:pt x="151276" y="0"/>
+                  </a:lnTo>
+                  <a:lnTo>
+                    <a:pt x="151276" y="34037"/>
+                  </a:lnTo>
+                  <a:lnTo>
+                    <a:pt x="0" y="34037"/>
+                  </a:lnTo>
+                  <a:close/>
+                </a:path>
+              </a:pathLst>
+            </a:custGeom>
+            <a:solidFill>
+              <a:srgbClr val="000000">
+                <a:alpha val="0"/>
+              </a:srgbClr>
+            </a:solidFill>
+            <a:ln w="66675" cap="sq">
+              <a:solidFill>
+                <a:srgbClr val="0A24FE"/>
+              </a:solidFill>
+              <a:prstDash val="solid"/>
+              <a:miter/>
+            </a:ln>
+          </p:spPr>
+        </p:sp>
+        <p:sp>
+          <p:nvSpPr>
+            <p:cNvPr name="TextBox 27" id="27"/>
+            <p:cNvSpPr txBox="true"/>
+            <p:nvPr/>
+          </p:nvSpPr>
+          <p:spPr>
+            <a:xfrm>
+              <a:off x="0" y="-38100"/>
+              <a:ext cx="151276" cy="72137"/>
+            </a:xfrm>
+            <a:prstGeom prst="rect">
+              <a:avLst/>
+            </a:prstGeom>
+          </p:spPr>
+          <p:txBody>
+            <a:bodyPr anchor="ctr" rtlCol="false" tIns="50800" lIns="50800" bIns="50800" rIns="50800"/>
+            <a:lstStyle/>
+            <a:p>
+              <a:pPr algn="ctr">
+                <a:lnSpc>
+                  <a:spcPts val="2659"/>
+                </a:lnSpc>
+              </a:pPr>
+            </a:p>
+          </p:txBody>
+        </p:sp>
+      </p:grpSp>
+      <p:pic>
+        <p:nvPicPr>
+          <p:cNvPr name="Picture 28" id="28">
+            <a:hlinkClick action="ppaction://media"/>
+          </p:cNvPr>
+          <p:cNvPicPr>
+            <a:picLocks noChangeAspect="true"/>
+          </p:cNvPicPr>
+          <p:nvPr>
+            <a:videoFile r:link="rId4"/>
+            <p:extLst>
+              <p:ext uri="{DAA4B4D4-6D71-4841-9C94-3DE7FCFB9230}">
+                <p14:media xmlns:p14="http://schemas.microsoft.com/office/powerpoint/2010/main" r:embed="rId5"/>
+              </p:ext>
+            </p:extLst>
+          </p:nvPr>
+        </p:nvPicPr>
+        <p:blipFill>
+          <a:blip r:embed="rId3"/>
+          <a:srcRect l="0" t="30000" r="0" b="30000"/>
+          <a:stretch>
+            <a:fillRect/>
+          </a:stretch>
+        </p:blipFill>
+        <p:spPr>
+          <a:xfrm flipH="false" flipV="false" rot="0">
+            <a:off x="5983379" y="783844"/>
+            <a:ext cx="6305993" cy="1418849"/>
+          </a:xfrm>
+          <a:prstGeom prst="rect">
+            <a:avLst/>
+          </a:prstGeom>
+        </p:spPr>
+      </p:pic>
+      <p:sp>
+        <p:nvSpPr>
+          <p:cNvPr name="TextBox 29" id="29"/>
+          <p:cNvSpPr txBox="true"/>
+          <p:nvPr/>
+        </p:nvSpPr>
+        <p:spPr>
+          <a:xfrm rot="0">
+            <a:off x="3414535" y="3609975"/>
+            <a:ext cx="11458930" cy="2867025"/>
+          </a:xfrm>
+          <a:prstGeom prst="rect">
+            <a:avLst/>
+          </a:prstGeom>
+        </p:spPr>
+        <p:txBody>
+          <a:bodyPr anchor="t" rtlCol="false" tIns="0" lIns="0" bIns="0" rIns="0">
+            <a:spAutoFit/>
+          </a:bodyPr>
+          <a:lstStyle/>
+          <a:p>
+            <a:pPr algn="ctr">
+              <a:lnSpc>
+                <a:spcPts val="7500"/>
+              </a:lnSpc>
+            </a:pPr>
+            <a:r>
+              <a:rPr lang="en-US" sz="5000" spc="250">
+                <a:solidFill>
+                  <a:srgbClr val="FFFFFF"/>
+                </a:solidFill>
+                <a:latin typeface="Arcade Gamer"/>
+                <a:ea typeface="Arcade Gamer"/>
+                <a:cs typeface="Arcade Gamer"/>
+                <a:sym typeface="Arcade Gamer"/>
+              </a:rPr>
+              <a:t>VIELEN DANK FÜR’S ZUHÖREN.</a:t>
+            </a:r>
+          </a:p>
+          <a:p>
+            <a:pPr algn="ctr">
+              <a:lnSpc>
+                <a:spcPts val="7500"/>
+              </a:lnSpc>
+            </a:pPr>
+            <a:r>
+              <a:rPr lang="en-US" sz="5000" spc="250">
+                <a:solidFill>
+                  <a:srgbClr val="FFFFFF"/>
+                </a:solidFill>
+                <a:latin typeface="Arcade Gamer"/>
+                <a:ea typeface="Arcade Gamer"/>
+                <a:cs typeface="Arcade Gamer"/>
+                <a:sym typeface="Arcade Gamer"/>
+              </a:rPr>
+              <a:t>FRAGEN?</a:t>
+            </a:r>
           </a:p>
         </p:txBody>
       </p:sp>
